--- a/docs/poster-sf.pptx
+++ b/docs/poster-sf.pptx
@@ -183,10 +183,10 @@
     </inkml:brush>
   </inkml:definitions>
   <inkml:trace contextRef="#ctx0" brushRef="#br0">355 1 7568 0 0,'0'0'166'0'0,"0"0"29"0"0,0 0 14 0 0,1 2-25 0 0,0 2-94 0 0,0 0 0 0 0,0 0 0 0 0,0 1 0 0 0,-1-1 0 0 0,0 0-1 0 0,0 1-89 0 0,-4 46 1828 0 0,0-23-1071 0 0,-4 84 1550 0 0,-16 138 1153 0 0,-1-117-1154 0 0,-32 95-2306 0 0,-1 30 499 0 0,36-151-318 0 0,1 11-882 0 0,-1 70 701 0 0,22-163-491 0 0,0-9-1243 0 0,-1-5-2611 0 0,1-11-559 0 0</inkml:trace>
-  <inkml:trace contextRef="#ctx0" brushRef="#br0" timeOffset="399.99">1 1010 8608 0 0,'0'0'197'0'0,"0"0"24"0"0,0 0 17 0 0,0-1-38 0 0,0-3-84 0 0,21 2 1794 0 0,-2-2-1038 0 0,-1 0-1 0 0,1 1 1 0 0,0 1-1 0 0,0 1 1 0 0,15 1-872 0 0,-19-1 237 0 0,-1 0 0 0 0,1-1 0 0 0,12-4-237 0 0,14-2 99 0 0,-27 6-59 0 0,-6 1-20 0 0,0 0 0 0 0,0 0 0 0 0,-1 0 0 0 0,1 1 0 0 0,0 0 0 0 0,0 1 0 0 0,-1 0 0 0 0,1 0 0 0 0,5 2-20 0 0,48 8-1870 0 0,-53-9 1318 0 0,21 7-297 0 0,-9-2-3480 0 0,-9-3 323 0 0</inkml:trace>
+  <inkml:trace contextRef="#ctx0" brushRef="#br0" timeOffset="399.989">1 1010 8608 0 0,'0'0'197'0'0,"0"0"24"0"0,0 0 17 0 0,0-1-38 0 0,0-3-84 0 0,21 2 1794 0 0,-2-2-1038 0 0,-1 0-1 0 0,1 1 1 0 0,0 1-1 0 0,0 1 1 0 0,15 1-872 0 0,-19-1 237 0 0,-1 0 0 0 0,1-1 0 0 0,12-4-237 0 0,14-2 99 0 0,-27 6-59 0 0,-6 1-20 0 0,0 0 0 0 0,0 0 0 0 0,-1 0 0 0 0,1 1 0 0 0,0 0 0 0 0,0 1 0 0 0,-1 0 0 0 0,1 0 0 0 0,5 2-20 0 0,48 8-1870 0 0,-53-9 1318 0 0,21 7-297 0 0,-9-2-3480 0 0,-9-3 323 0 0</inkml:trace>
   <inkml:trace contextRef="#ctx0" brushRef="#br0" timeOffset="727.592">887 1071 12272 0 0,'-12'34'970'0'0,"-1"9"-970"0"0,5-15 674 0 0,-1 0 0 0 0,-6 11-674 0 0,14-37 17 0 0,-3 10 17 0 0,-2 0 0 0 0,0 0 0 0 0,0-1 0 0 0,-1 0 0 0 0,-1 0 0 0 0,0 0 0 0 0,-1 0-34 0 0,8-11-823 0 0,-1-2-237 0 0,-6-12-48 0 0,1-6-10 0 0</inkml:trace>
   <inkml:trace contextRef="#ctx0" brushRef="#br0" timeOffset="1102.976">890 459 11880 0 0,'0'0'336'0'0,"0"0"80"0"0,0 0-336 0 0,0 0-80 0 0,0 0 0 0 0,0 0 0 0 0,0 0 0 0 0,0 0 0 0 0,5 4 72 0 0,-1-1-72 0 0,4 1 128 0 0,-4 0 0 0 0,-4 3-8 0 0</inkml:trace>
-  <inkml:trace contextRef="#ctx0" brushRef="#br0" timeOffset="1448.171">1103 1063 9328 0 0,'2'49'977'0'0,"3"3"-977"0"0,-1-4 719 0 0,-2 5-719 0 0,-2-40 214 0 0,1 0 0 0 0,0 0 0 0 0,1-1 1 0 0,2 6-215 0 0,-3-13 38 0 0,0 0 0 0 0,1 0-1 0 0,-1 0 1 0 0,1 0 0 0 0,0-1 0 0 0,1 1 0 0 0,-1-1 0 0 0,1 0 0 0 0,0 1 0 0 0,0-1 0 0 0,0 0 0 0 0,3 2-38 0 0,-5-5 9 0 0,1 0 0 0 0,-1 0 1 0 0,1 0-1 0 0,-1 0 0 0 0,1 0 1 0 0,0 0-1 0 0,-1-1 1 0 0,1 1-1 0 0,0 0 0 0 0,-1-1 1 0 0,1 0-1 0 0,0 1 0 0 0,0-1 1 0 0,-1 0-1 0 0,1 0 0 0 0,0 0 1 0 0,0 0-1 0 0,1 0-9 0 0,1-1 35 0 0,-1 0 0 0 0,0 0 0 0 0,1 0-1 0 0,-1 0 1 0 0,0 0 0 0 0,0-1 0 0 0,0 0 0 0 0,0 1 0 0 0,2-3-35 0 0,3-2 73 0 0,-1 0 0 0 0,-1 0 0 0 0,1-1 0 0 0,-1 0 0 0 0,0 0 0 0 0,4-7-73 0 0,16-23 12 0 0,-10 14 49 0 0,12-23-61 0 0,-23 38 6 0 0,-1 0 1 0 0,-1 0-1 0 0,0-1 1 0 0,0 0-1 0 0,0 1 1 0 0,-1-1-1 0 0,-1 0 1 0 0,0 0-7 0 0,0 0 41 0 0,0 0 0 0 0,-1 0 0 0 0,0 0 0 0 0,0 0 0 0 0,-1 1 0 0 0,-1-1 0 0 0,1 0 0 0 0,-1 1 0 0 0,-1-1 0 0 0,0 1 0 0 0,-2-4-41 0 0,-5-17 193 0 0,6 16-55 0 0,-1 1 0 0 0,0-1 1 0 0,-2-2-139 0 0,-12-14 141 0 0,-1 0 1 0 0,-1 2-142 0 0,13 16 13 0 0,-1 0-14 0 0,0 1 0 0 0,-1-1 1 0 0,-8-6 0 0 0,14 14 2 0 0,-1-1 0 0 0,1 0 1 0 0,-1 1-1 0 0,0 0 0 0 0,0 0 1 0 0,0 1-1 0 0,-1-1 0 0 0,1 1 1 0 0,-1 0-1 0 0,0 1-2 0 0,5 0 19 0 0,0 1 1 0 0,-1 0-1 0 0,1 0 1 0 0,0 0-1 0 0,-1 0 1 0 0,1 0 0 0 0,0 0-1 0 0,-1 0 1 0 0,1 0-1 0 0,0 0 1 0 0,-1 1-1 0 0,1-1 1 0 0,0 1-1 0 0,-1-1 1 0 0,1 1-1 0 0,0-1 1 0 0,0 1-1 0 0,0 0 1 0 0,0-1-1 0 0,-1 1 1 0 0,1 0-1 0 0,0 0 1 0 0,0 0-1 0 0,0 0-19 0 0,-2 3 88 0 0,0 0 1 0 0,0 0-1 0 0,1 1 0 0 0,-1-1 0 0 0,-1 5-88 0 0,-3 5 162 0 0,2-3-161 0 0,0 0 1 0 0,1 0 0 0 0,0 1-1 0 0,1-1 1 0 0,0 6-2 0 0,-5 14-308 0 0,4-9-87 0 0,0 3-26 0 0</inkml:trace>
+  <inkml:trace contextRef="#ctx0" brushRef="#br0" timeOffset="1448.17">1103 1063 9328 0 0,'2'49'977'0'0,"3"3"-977"0"0,-1-4 719 0 0,-2 5-719 0 0,-2-40 214 0 0,1 0 0 0 0,0 0 0 0 0,1-1 1 0 0,2 6-215 0 0,-3-13 38 0 0,0 0 0 0 0,1 0-1 0 0,-1 0 1 0 0,1 0 0 0 0,0-1 0 0 0,1 1 0 0 0,-1-1 0 0 0,1 0 0 0 0,0 1 0 0 0,0-1 0 0 0,0 0 0 0 0,3 2-38 0 0,-5-5 9 0 0,1 0 0 0 0,-1 0 1 0 0,1 0-1 0 0,-1 0 0 0 0,1 0 1 0 0,0 0-1 0 0,-1-1 1 0 0,1 1-1 0 0,0 0 0 0 0,-1-1 1 0 0,1 0-1 0 0,0 1 0 0 0,0-1 1 0 0,-1 0-1 0 0,1 0 0 0 0,0 0 1 0 0,0 0-1 0 0,1 0-9 0 0,1-1 35 0 0,-1 0 0 0 0,0 0 0 0 0,1 0-1 0 0,-1 0 1 0 0,0 0 0 0 0,0-1 0 0 0,0 0 0 0 0,0 1 0 0 0,2-3-35 0 0,3-2 73 0 0,-1 0 0 0 0,-1 0 0 0 0,1-1 0 0 0,-1 0 0 0 0,0 0 0 0 0,4-7-73 0 0,16-23 12 0 0,-10 14 49 0 0,12-23-61 0 0,-23 38 6 0 0,-1 0 1 0 0,-1 0-1 0 0,0-1 1 0 0,0 0-1 0 0,0 1 1 0 0,-1-1-1 0 0,-1 0 1 0 0,0 0-7 0 0,0 0 41 0 0,0 0 0 0 0,-1 0 0 0 0,0 0 0 0 0,0 0 0 0 0,-1 1 0 0 0,-1-1 0 0 0,1 0 0 0 0,-1 1 0 0 0,-1-1 0 0 0,0 1 0 0 0,-2-4-41 0 0,-5-17 193 0 0,6 16-55 0 0,-1 1 0 0 0,0-1 1 0 0,-2-2-139 0 0,-12-14 141 0 0,-1 0 1 0 0,-1 2-142 0 0,13 16 13 0 0,-1 0-14 0 0,0 1 0 0 0,-1-1 1 0 0,-8-6 0 0 0,14 14 2 0 0,-1-1 0 0 0,1 0 1 0 0,-1 1-1 0 0,0 0 0 0 0,0 0 1 0 0,0 1-1 0 0,-1-1 0 0 0,1 1 1 0 0,-1 0-1 0 0,0 1-2 0 0,5 0 19 0 0,0 1 1 0 0,-1 0-1 0 0,1 0 1 0 0,0 0-1 0 0,-1 0 1 0 0,1 0 0 0 0,0 0-1 0 0,-1 0 1 0 0,1 0-1 0 0,0 0 1 0 0,-1 1-1 0 0,1-1 1 0 0,0 1-1 0 0,-1-1 1 0 0,1 1-1 0 0,0-1 1 0 0,0 1-1 0 0,0 0 1 0 0,0-1-1 0 0,-1 1 1 0 0,1 0-1 0 0,0 0 1 0 0,0 0-1 0 0,0 0-19 0 0,-2 3 88 0 0,0 0 1 0 0,0 0-1 0 0,1 1 0 0 0,-1-1 0 0 0,-1 5-88 0 0,-3 5 162 0 0,2-3-161 0 0,0 0 1 0 0,1 0 0 0 0,0 1-1 0 0,1-1 1 0 0,0 6-2 0 0,-5 14-308 0 0,4-9-87 0 0,0 3-26 0 0</inkml:trace>
   <inkml:trace contextRef="#ctx0" brushRef="#br0" timeOffset="2121.348">1792 784 12752 0 0,'0'0'289'0'0,"0"2"40"0"0,2 26 444 0 0,-1-17-625 0 0,-1-1 0 0 0,1 1 1 0 0,-2 7-149 0 0,-4 14 1031 0 0,-2-1 0 0 0,-8 26-1031 0 0,-2 5 585 0 0,-17 66 1061 0 0,22-72-575 0 0,7-28-792 0 0,4 10-652 0 0,2-40 274 0 0,-1-1-1 0 0,0 1 0 0 0,1-1 1 0 0,0 1-1 0 0,0 0 1 0 0,-1-1-1 0 0,1 1 1 0 0,1 0-1 0 0,-1-1 100 0 0,6-16-187 0 0,-1-3-140 0 0,1 0 0 0 0,1 0 0 0 0,1 1 0 0 0,0 1-1 0 0,2-1 1 0 0,0 2 0 0 0,5-6 327 0 0,-10 14-21 0 0,0 0 0 0 0,-1-1 0 0 0,2-4 21 0 0,-4 7 15 0 0,0 0 1 0 0,1 0 0 0 0,1 0-1 0 0,0 1 1 0 0,0 0-1 0 0,3-4-15 0 0,5-5 82 0 0,-6 8 22 0 0,1-1-1 0 0,0 1 0 0 0,6-4-103 0 0,-12 11 42 0 0,1 0-1 0 0,-1 0 1 0 0,1 0 0 0 0,-1 1 0 0 0,1-1 0 0 0,0 0 0 0 0,0 1 0 0 0,0 0 0 0 0,0 0 0 0 0,0 0 0 0 0,0 0 0 0 0,0 0 0 0 0,0 1 0 0 0,0 0-1 0 0,2-1-41 0 0,-1 1 61 0 0,-1 0-1 0 0,1 0 1 0 0,-1 1-1 0 0,1-1 1 0 0,-1 1-1 0 0,1 0 1 0 0,-1 0-1 0 0,0 0 0 0 0,1 0 1 0 0,-1 0-1 0 0,0 1 1 0 0,3 1-61 0 0,0 2 111 0 0,-1-1 0 0 0,1 1 0 0 0,-1 1 0 0 0,0-1 0 0 0,1 2-111 0 0,-5-5 15 0 0,89 92 707 0 0,13 15-281 0 0,-85-88-381 0 0,-10-13-28 0 0,0 1-1 0 0,-1 0 1 0 0,0 1-1 0 0,0-1 0 0 0,0 4-31 0 0,-4-6 41 0 0,0-1 0 0 0,-1 1-1 0 0,0 0 1 0 0,0-1-1 0 0,-1 1 1 0 0,1 0-1 0 0,-2 0 1 0 0,1 0 0 0 0,-1 0-1 0 0,0 0 1 0 0,0 0-1 0 0,-1 0 1 0 0,0 0 0 0 0,-1 1-41 0 0,-1 8-424 0 0,-1 0 0 0 0,-6 14 424 0 0,-6 9-3804 0 0,11-25 1586 0 0,1-6-3772 0 0</inkml:trace>
 </inkml:ink>
 </file>
@@ -440,7 +440,7 @@
     </inkml:brush>
   </inkml:definitions>
   <inkml:trace contextRef="#ctx0" brushRef="#br0">185 0 6160 0 0,'0'0'133'0'0,"0"0"23"0"0,0 0 13 0 0,-5 2 535 0 0,3-1-563 0 0,0 1-1 0 0,-1 0 1 0 0,1 0-1 0 0,1 0 0 0 0,-1 0 1 0 0,0 1-1 0 0,0-1 0 0 0,1 1 1 0 0,0-1-1 0 0,-1 1 0 0 0,1-1 1 0 0,0 1-1 0 0,-1 2-140 0 0,-10 41 7 0 0,9-31 92 0 0,-4 22 864 0 0,1 1 1 0 0,1 11-964 0 0,-1 10 924 0 0,-3 58 237 0 0,1-13-1066 0 0,-13 46 116 0 0,-2 26-430 0 0,10-73 459 0 0,5-42-187 0 0,6-49-99 0 0,-1 1-1 0 0,2 0 1 0 0,0 0-1 0 0,0 0 1 0 0,1 0-1 0 0,1-1 0 0 0,0 1 1 0 0,1 3 46 0 0,1-10-84 0 0,-1 0-790 0 0,-1-3-2728 0 0,-1-3-159 0 0</inkml:trace>
-  <inkml:trace contextRef="#ctx0" brushRef="#br0" timeOffset="598.455">0 322 10136 0 0,'0'-2'230'0'0,"1"-8"-110"0"0,0 0-1 0 0,0 0 0 0 0,1 1 0 0 0,0-1 1 0 0,1 0-1 0 0,0 1 0 0 0,2-4-119 0 0,2-5 315 0 0,2 1-1 0 0,0 0 1 0 0,3-5-315 0 0,-6 13 190 0 0,1-1 0 0 0,0 1 0 0 0,0 1 0 0 0,6-6-190 0 0,-9 10 57 0 0,0 0 0 0 0,1 1-1 0 0,0-1 1 0 0,-1 1 0 0 0,1 0-1 0 0,0 1 1 0 0,1-1 0 0 0,-1 1 0 0 0,6-2-57 0 0,-6 2 8 0 0,0 0 1 0 0,0 1 0 0 0,1-1 0 0 0,-1 1 0 0 0,1 0-1 0 0,-1 1 1 0 0,1-1 0 0 0,-1 1 0 0 0,1 0 0 0 0,-1 0-1 0 0,1 1 1 0 0,-1 0 0 0 0,1 0 0 0 0,-1 0 0 0 0,3 1-9 0 0,-2 1 70 0 0,0 0 0 0 0,-1-1 0 0 0,1 2 0 0 0,-1-1 0 0 0,0 0 1 0 0,0 1-1 0 0,0 0 0 0 0,-1 0 0 0 0,1 1 0 0 0,-1-1 0 0 0,0 1 1 0 0,0 0-1 0 0,-1 0 0 0 0,1 1 0 0 0,-1-1 0 0 0,0 0 1 0 0,-1 1-1 0 0,1 0 0 0 0,-1 2-70 0 0,13 28 310 0 0,-7-17-281 0 0,-1-1 0 0 0,-1 1 0 0 0,0 0 0 0 0,-2 1 0 0 0,3 17-29 0 0,-4-6 0 0 0,-1-19 0 0 0,0-1 0 0 0,-2 1 0 0 0,1-1 0 0 0,-1 0 0 0 0,-1 4 0 0 0,-1 0 9 0 0,-1 1 0 0 0,-1-2 0 0 0,0 1 0 0 0,-3 7-9 0 0,6-21 26 0 0,1 0 0 0 0,-1 0 0 0 0,1 0 0 0 0,-1 0 0 0 0,1 0 0 0 0,-1 0 0 0 0,0 0 1 0 0,0 0-1 0 0,1 0 0 0 0,-1-1 0 0 0,0 1 0 0 0,0 0 0 0 0,0-1 0 0 0,0 1 1 0 0,0-1-1 0 0,0 1 0 0 0,0-1 0 0 0,0 1 0 0 0,0-1 0 0 0,0 0 0 0 0,0 1 1 0 0,0-1-1 0 0,0 0 0 0 0,-1 0 0 0 0,1 0 0 0 0,0 0 0 0 0,0 0 0 0 0,0 0 1 0 0,0 0-1 0 0,0 0 0 0 0,0 0 0 0 0,0 0 0 0 0,-1-1-26 0 0,-4 0-21 0 0,-1-1-1 0 0,1-1 1 0 0,0 1-1 0 0,-1-1 1 0 0,1 0 21 0 0,-1 0-15 0 0,-7-5-97 0 0,0 0 0 0 0,0-2 1 0 0,1 1-1 0 0,0-2 1 0 0,1 1-1 0 0,-7-10 112 0 0,18 20 54 0 0,1 0 76 0 0,0 0 20 0 0,0 0-40 0 0,0 0-171 0 0,0 0-71 0 0,0 0-17 0 0,1 8 132 0 0,0 1 0 0 0,1 0 1 0 0,0-1-1 0 0,1 0 1 0 0,-1 1-1 0 0,1-1 1 0 0,1 0-1 0 0,3 7 17 0 0,11 25-22 0 0,-2 17 265 0 0,5 36-243 0 0,-9-39-80 0 0,21 110 1041 0 0,-14-97-123 0 0,18 45-838 0 0,-29-96-36 0 0,0 0 0 0 0,0-1 0 0 0,2 0 0 0 0,0 1 36 0 0,-7-13-185 0 0,-1 0-1 0 0,0 0 1 0 0,1 1-1 0 0,0-2 1 0 0,0 1-1 0 0,0 0 0 0 0,0 0 1 0 0,0-1-1 0 0,0 0 1 0 0,2 1 185 0 0,6-1-5536 0 0</inkml:trace>
+  <inkml:trace contextRef="#ctx0" brushRef="#br0" timeOffset="598.454">0 322 10136 0 0,'0'-2'230'0'0,"1"-8"-110"0"0,0 0-1 0 0,0 0 0 0 0,1 1 0 0 0,0-1 1 0 0,1 0-1 0 0,0 1 0 0 0,2-4-119 0 0,2-5 315 0 0,2 1-1 0 0,0 0 1 0 0,3-5-315 0 0,-6 13 190 0 0,1-1 0 0 0,0 1 0 0 0,0 1 0 0 0,6-6-190 0 0,-9 10 57 0 0,0 0 0 0 0,1 1-1 0 0,0-1 1 0 0,-1 1 0 0 0,1 0-1 0 0,0 1 1 0 0,1-1 0 0 0,-1 1 0 0 0,6-2-57 0 0,-6 2 8 0 0,0 0 1 0 0,0 1 0 0 0,1-1 0 0 0,-1 1 0 0 0,1 0-1 0 0,-1 1 1 0 0,1-1 0 0 0,-1 1 0 0 0,1 0 0 0 0,-1 0-1 0 0,1 1 1 0 0,-1 0 0 0 0,1 0 0 0 0,-1 0 0 0 0,3 1-9 0 0,-2 1 70 0 0,0 0 0 0 0,-1-1 0 0 0,1 2 0 0 0,-1-1 0 0 0,0 0 1 0 0,0 1-1 0 0,0 0 0 0 0,-1 0 0 0 0,1 1 0 0 0,-1-1 0 0 0,0 1 1 0 0,0 0-1 0 0,-1 0 0 0 0,1 1 0 0 0,-1-1 0 0 0,0 0 1 0 0,-1 1-1 0 0,1 0 0 0 0,-1 2-70 0 0,13 28 310 0 0,-7-17-281 0 0,-1-1 0 0 0,-1 1 0 0 0,0 0 0 0 0,-2 1 0 0 0,3 17-29 0 0,-4-6 0 0 0,-1-19 0 0 0,0-1 0 0 0,-2 1 0 0 0,1-1 0 0 0,-1 0 0 0 0,-1 4 0 0 0,-1 0 9 0 0,-1 1 0 0 0,-1-2 0 0 0,0 1 0 0 0,-3 7-9 0 0,6-21 26 0 0,1 0 0 0 0,-1 0 0 0 0,1 0 0 0 0,-1 0 0 0 0,1 0 0 0 0,-1 0 0 0 0,0 0 1 0 0,0 0-1 0 0,1 0 0 0 0,-1-1 0 0 0,0 1 0 0 0,0 0 0 0 0,0-1 0 0 0,0 1 1 0 0,0-1-1 0 0,0 1 0 0 0,0-1 0 0 0,0 1 0 0 0,0-1 0 0 0,0 0 0 0 0,0 1 1 0 0,0-1-1 0 0,0 0 0 0 0,-1 0 0 0 0,1 0 0 0 0,0 0 0 0 0,0 0 0 0 0,0 0 1 0 0,0 0-1 0 0,0 0 0 0 0,0 0 0 0 0,0 0 0 0 0,-1-1-26 0 0,-4 0-21 0 0,-1-1-1 0 0,1-1 1 0 0,0 1-1 0 0,-1-1 1 0 0,1 0 21 0 0,-1 0-15 0 0,-7-5-97 0 0,0 0 0 0 0,0-2 1 0 0,1 1-1 0 0,0-2 1 0 0,1 1-1 0 0,-7-10 112 0 0,18 20 54 0 0,1 0 76 0 0,0 0 20 0 0,0 0-40 0 0,0 0-171 0 0,0 0-71 0 0,0 0-17 0 0,1 8 132 0 0,0 1 0 0 0,1 0 1 0 0,0-1-1 0 0,1 0 1 0 0,-1 1-1 0 0,1-1 1 0 0,1 0-1 0 0,3 7 17 0 0,11 25-22 0 0,-2 17 265 0 0,5 36-243 0 0,-9-39-80 0 0,21 110 1041 0 0,-14-97-123 0 0,18 45-838 0 0,-29-96-36 0 0,0 0 0 0 0,0-1 0 0 0,2 0 0 0 0,0 1 36 0 0,-7-13-185 0 0,-1 0-1 0 0,0 0 1 0 0,1 1-1 0 0,0-2 1 0 0,0 1-1 0 0,0 0 0 0 0,0 0 1 0 0,0-1-1 0 0,0 0 1 0 0,2 1 185 0 0,6-1-5536 0 0</inkml:trace>
 </inkml:ink>
 </file>
 
@@ -680,7 +680,7 @@
           <a:p>
             <a:fld id="{69A9AA52-A7FE-47D2-A4F8-305375659BD6}" type="slidenum">
               <a:rPr lang="en-US" smtClean="0"/>
-              <a:t>‹#›</a:t>
+              <a:t>‹Nr.›</a:t>
             </a:fld>
             <a:endParaRPr lang="en-US"/>
           </a:p>
@@ -850,7 +850,7 @@
           <a:p>
             <a:fld id="{69A9AA52-A7FE-47D2-A4F8-305375659BD6}" type="slidenum">
               <a:rPr lang="en-US" smtClean="0"/>
-              <a:t>‹#›</a:t>
+              <a:t>‹Nr.›</a:t>
             </a:fld>
             <a:endParaRPr lang="en-US"/>
           </a:p>
@@ -1030,7 +1030,7 @@
           <a:p>
             <a:fld id="{69A9AA52-A7FE-47D2-A4F8-305375659BD6}" type="slidenum">
               <a:rPr lang="en-US" smtClean="0"/>
-              <a:t>‹#›</a:t>
+              <a:t>‹Nr.›</a:t>
             </a:fld>
             <a:endParaRPr lang="en-US"/>
           </a:p>
@@ -1200,7 +1200,7 @@
           <a:p>
             <a:fld id="{69A9AA52-A7FE-47D2-A4F8-305375659BD6}" type="slidenum">
               <a:rPr lang="en-US" smtClean="0"/>
-              <a:t>‹#›</a:t>
+              <a:t>‹Nr.›</a:t>
             </a:fld>
             <a:endParaRPr lang="en-US"/>
           </a:p>
@@ -1444,7 +1444,7 @@
           <a:p>
             <a:fld id="{69A9AA52-A7FE-47D2-A4F8-305375659BD6}" type="slidenum">
               <a:rPr lang="en-US" smtClean="0"/>
-              <a:t>‹#›</a:t>
+              <a:t>‹Nr.›</a:t>
             </a:fld>
             <a:endParaRPr lang="en-US"/>
           </a:p>
@@ -1676,7 +1676,7 @@
           <a:p>
             <a:fld id="{69A9AA52-A7FE-47D2-A4F8-305375659BD6}" type="slidenum">
               <a:rPr lang="en-US" smtClean="0"/>
-              <a:t>‹#›</a:t>
+              <a:t>‹Nr.›</a:t>
             </a:fld>
             <a:endParaRPr lang="en-US"/>
           </a:p>
@@ -2043,7 +2043,7 @@
           <a:p>
             <a:fld id="{69A9AA52-A7FE-47D2-A4F8-305375659BD6}" type="slidenum">
               <a:rPr lang="en-US" smtClean="0"/>
-              <a:t>‹#›</a:t>
+              <a:t>‹Nr.›</a:t>
             </a:fld>
             <a:endParaRPr lang="en-US"/>
           </a:p>
@@ -2161,7 +2161,7 @@
           <a:p>
             <a:fld id="{69A9AA52-A7FE-47D2-A4F8-305375659BD6}" type="slidenum">
               <a:rPr lang="en-US" smtClean="0"/>
-              <a:t>‹#›</a:t>
+              <a:t>‹Nr.›</a:t>
             </a:fld>
             <a:endParaRPr lang="en-US"/>
           </a:p>
@@ -2256,7 +2256,7 @@
           <a:p>
             <a:fld id="{69A9AA52-A7FE-47D2-A4F8-305375659BD6}" type="slidenum">
               <a:rPr lang="en-US" smtClean="0"/>
-              <a:t>‹#›</a:t>
+              <a:t>‹Nr.›</a:t>
             </a:fld>
             <a:endParaRPr lang="en-US"/>
           </a:p>
@@ -2533,7 +2533,7 @@
           <a:p>
             <a:fld id="{69A9AA52-A7FE-47D2-A4F8-305375659BD6}" type="slidenum">
               <a:rPr lang="en-US" smtClean="0"/>
-              <a:t>‹#›</a:t>
+              <a:t>‹Nr.›</a:t>
             </a:fld>
             <a:endParaRPr lang="en-US"/>
           </a:p>
@@ -2790,7 +2790,7 @@
           <a:p>
             <a:fld id="{69A9AA52-A7FE-47D2-A4F8-305375659BD6}" type="slidenum">
               <a:rPr lang="en-US" smtClean="0"/>
-              <a:t>‹#›</a:t>
+              <a:t>‹Nr.›</a:t>
             </a:fld>
             <a:endParaRPr lang="en-US"/>
           </a:p>
@@ -3039,7 +3039,7 @@
           <a:p>
             <a:fld id="{69A9AA52-A7FE-47D2-A4F8-305375659BD6}" type="slidenum">
               <a:rPr lang="en-US" smtClean="0"/>
-              <a:t>‹#›</a:t>
+              <a:t>‹Nr.›</a:t>
             </a:fld>
             <a:endParaRPr lang="en-US"/>
           </a:p>
@@ -3397,7 +3397,7 @@
             <a:pPr algn="ctr"/>
             <a:r>
               <a:rPr lang="en-US" sz="14200" b="1" dirty="0"/>
-              <a:t>Understanding Latent Neural Spaces</a:t>
+              <a:t>Understanding Neural Embeddings</a:t>
             </a:r>
             <a:br>
               <a:rPr lang="en-US" dirty="0"/>
@@ -3438,7 +3438,7 @@
         </p:spPr>
         <p:txBody>
           <a:bodyPr>
-            <a:normAutofit fontScale="92500" lnSpcReduction="20000"/>
+            <a:normAutofit fontScale="92500" lnSpcReduction="10000"/>
           </a:bodyPr>
           <a:lstStyle/>
           <a:p>
@@ -3492,7 +3492,7 @@
             </a:pPr>
             <a:r>
               <a:rPr lang="en-GB" sz="4800" b="1" dirty="0"/>
-              <a:t>Humans are code at this: Locate your </a:t>
+              <a:t>Humans are good at this: Locate your </a:t>
             </a:r>
             <a:r>
               <a:rPr lang="en-US" sz="4800" b="1" dirty="0"/>
@@ -3529,7 +3529,7 @@
         </p:spPr>
         <p:txBody>
           <a:bodyPr>
-            <a:normAutofit fontScale="92500" lnSpcReduction="20000"/>
+            <a:normAutofit fontScale="92500" lnSpcReduction="10000"/>
           </a:bodyPr>
           <a:lstStyle/>
           <a:p>
@@ -3551,12 +3551,13 @@
             </a:r>
           </a:p>
           <a:p>
-            <a:pPr marL="0" indent="0">
-              <a:buNone/>
+            <a:pPr marL="914400" indent="-914400">
+              <a:buFont typeface="+mj-lt"/>
+              <a:buAutoNum type="arabicPeriod"/>
             </a:pPr>
             <a:r>
               <a:rPr lang="en-GB" sz="4800" dirty="0"/>
-              <a:t>Step 1: What do you want to embed? </a:t>
+              <a:t>What do you want to embed? </a:t>
             </a:r>
             <a:r>
               <a:rPr lang="en-GB" sz="4800" b="1" dirty="0"/>
@@ -3564,12 +3565,13 @@
             </a:r>
           </a:p>
           <a:p>
-            <a:pPr marL="0" indent="0">
-              <a:buNone/>
+            <a:pPr marL="914400" indent="-914400">
+              <a:buFont typeface="+mj-lt"/>
+              <a:buAutoNum type="arabicPeriod"/>
             </a:pPr>
             <a:r>
               <a:rPr lang="en-GB" sz="4800" dirty="0"/>
-              <a:t>Step 2: What data do you want to use to express similarity? </a:t>
+              <a:t>What data do you want to use to express similarity? </a:t>
             </a:r>
             <a:r>
               <a:rPr lang="en-GB" sz="4800" b="1" dirty="0"/>
@@ -3577,21 +3579,23 @@
             </a:r>
           </a:p>
           <a:p>
-            <a:pPr marL="0" indent="0">
-              <a:buNone/>
+            <a:pPr marL="914400" indent="-914400">
+              <a:buFont typeface="+mj-lt"/>
+              <a:buAutoNum type="arabicPeriod"/>
             </a:pPr>
             <a:r>
               <a:rPr lang="en-GB" sz="4800" dirty="0"/>
-              <a:t>Step 3: Prepare data accordingly</a:t>
-            </a:r>
-          </a:p>
-          <a:p>
-            <a:pPr marL="0" indent="0">
-              <a:buNone/>
+              <a:t>Prepare data accordingly</a:t>
+            </a:r>
+          </a:p>
+          <a:p>
+            <a:pPr marL="914400" indent="-914400">
+              <a:buFont typeface="+mj-lt"/>
+              <a:buAutoNum type="arabicPeriod"/>
             </a:pPr>
             <a:r>
               <a:rPr lang="en-GB" sz="4800" dirty="0"/>
-              <a:t>Step 4: Set up network and choose loss function</a:t>
+              <a:t>Set up network and choose loss function</a:t>
             </a:r>
           </a:p>
           <a:p>
@@ -3622,21 +3626,23 @@
             <a:endParaRPr lang="en-GB" sz="4800" dirty="0"/>
           </a:p>
           <a:p>
-            <a:pPr marL="0" indent="0">
-              <a:buNone/>
+            <a:pPr marL="1028700" indent="-1028700">
+              <a:buFont typeface="+mj-lt"/>
+              <a:buAutoNum type="arabicPeriod" startAt="5"/>
             </a:pPr>
             <a:r>
               <a:rPr lang="en-GB" sz="4800" dirty="0"/>
-              <a:t>Step 5: Train with small batch size and make sure loss goes down</a:t>
-            </a:r>
-          </a:p>
-          <a:p>
-            <a:pPr marL="0" indent="0">
-              <a:buNone/>
+              <a:t>Train with small batch size and make sure loss goes down</a:t>
+            </a:r>
+          </a:p>
+          <a:p>
+            <a:pPr marL="914400" indent="-914400">
+              <a:buFont typeface="+mj-lt"/>
+              <a:buAutoNum type="arabicPeriod" startAt="6"/>
             </a:pPr>
             <a:r>
               <a:rPr lang="en-GB" sz="4800" dirty="0"/>
-              <a:t>Step 6: Extract Embedding layer (the bottle-neck)</a:t>
+              <a:t>Extract Embedding layer (the bottle-neck)</a:t>
             </a:r>
           </a:p>
           <a:p>
@@ -3667,21 +3673,23 @@
             <a:endParaRPr lang="en-GB" sz="4800" dirty="0"/>
           </a:p>
           <a:p>
-            <a:pPr marL="0" indent="0">
-              <a:buNone/>
+            <a:pPr marL="914400" indent="-914400">
+              <a:buFont typeface="+mj-lt"/>
+              <a:buAutoNum type="arabicPeriod" startAt="7"/>
             </a:pPr>
             <a:r>
               <a:rPr lang="en-GB" sz="4800" dirty="0"/>
-              <a:t>Step 7: Use layer to embed airlines of choice</a:t>
-            </a:r>
-          </a:p>
-          <a:p>
-            <a:pPr marL="0" indent="0">
-              <a:buNone/>
+              <a:t>Use layer to embed airlines of choice</a:t>
+            </a:r>
+          </a:p>
+          <a:p>
+            <a:pPr marL="914400" indent="-914400">
+              <a:buFont typeface="+mj-lt"/>
+              <a:buAutoNum type="arabicPeriod" startAt="8"/>
             </a:pPr>
             <a:r>
               <a:rPr lang="en-GB" sz="4800" dirty="0"/>
-              <a:t>Step 8: Plot embedding, reduce dimension if more than 2 or 3 (PCA or T-SNE) </a:t>
+              <a:t>Plot embedding, reduce dimension if more than 2 or 3 (PCA or T-SNE) </a:t>
             </a:r>
             <a:endParaRPr lang="en-US" sz="4800" dirty="0"/>
           </a:p>
@@ -3952,8 +3960,8 @@
           </a:p>
         </p:txBody>
       </p:sp>
-      <mc:AlternateContent xmlns:mc="http://schemas.openxmlformats.org/markup-compatibility/2006">
-        <mc:Choice xmlns:p14="http://schemas.microsoft.com/office/powerpoint/2010/main" Requires="p14">
+      <mc:AlternateContent xmlns:mc="http://schemas.openxmlformats.org/markup-compatibility/2006" xmlns:p14="http://schemas.microsoft.com/office/powerpoint/2010/main">
+        <mc:Choice Requires="p14">
           <p:contentPart p14:bwMode="auto" r:id="rId2">
             <p14:nvContentPartPr>
               <p14:cNvPr id="55" name="Ink 54">
@@ -3972,7 +3980,7 @@
             </p14:xfrm>
           </p:contentPart>
         </mc:Choice>
-        <mc:Fallback>
+        <mc:Fallback xmlns="">
           <p:pic>
             <p:nvPicPr>
               <p:cNvPr id="55" name="Ink 54">
@@ -4003,8 +4011,8 @@
           </p:pic>
         </mc:Fallback>
       </mc:AlternateContent>
-      <mc:AlternateContent xmlns:mc="http://schemas.openxmlformats.org/markup-compatibility/2006">
-        <mc:Choice xmlns:p14="http://schemas.microsoft.com/office/powerpoint/2010/main" Requires="p14">
+      <mc:AlternateContent xmlns:mc="http://schemas.openxmlformats.org/markup-compatibility/2006" xmlns:p14="http://schemas.microsoft.com/office/powerpoint/2010/main">
+        <mc:Choice Requires="p14">
           <p:contentPart p14:bwMode="auto" r:id="rId4">
             <p14:nvContentPartPr>
               <p14:cNvPr id="56" name="Ink 55">
@@ -4023,7 +4031,7 @@
             </p14:xfrm>
           </p:contentPart>
         </mc:Choice>
-        <mc:Fallback>
+        <mc:Fallback xmlns="">
           <p:pic>
             <p:nvPicPr>
               <p:cNvPr id="56" name="Ink 55">
@@ -4054,8 +4062,8 @@
           </p:pic>
         </mc:Fallback>
       </mc:AlternateContent>
-      <mc:AlternateContent xmlns:mc="http://schemas.openxmlformats.org/markup-compatibility/2006">
-        <mc:Choice xmlns:p14="http://schemas.microsoft.com/office/powerpoint/2010/main" Requires="p14">
+      <mc:AlternateContent xmlns:mc="http://schemas.openxmlformats.org/markup-compatibility/2006" xmlns:p14="http://schemas.microsoft.com/office/powerpoint/2010/main">
+        <mc:Choice Requires="p14">
           <p:contentPart p14:bwMode="auto" r:id="rId6">
             <p14:nvContentPartPr>
               <p14:cNvPr id="62" name="Ink 61">
@@ -4074,7 +4082,7 @@
             </p14:xfrm>
           </p:contentPart>
         </mc:Choice>
-        <mc:Fallback>
+        <mc:Fallback xmlns="">
           <p:pic>
             <p:nvPicPr>
               <p:cNvPr id="62" name="Ink 61">
@@ -4105,8 +4113,8 @@
           </p:pic>
         </mc:Fallback>
       </mc:AlternateContent>
-      <mc:AlternateContent xmlns:mc="http://schemas.openxmlformats.org/markup-compatibility/2006">
-        <mc:Choice xmlns:p14="http://schemas.microsoft.com/office/powerpoint/2010/main" Requires="p14">
+      <mc:AlternateContent xmlns:mc="http://schemas.openxmlformats.org/markup-compatibility/2006" xmlns:p14="http://schemas.microsoft.com/office/powerpoint/2010/main">
+        <mc:Choice Requires="p14">
           <p:contentPart p14:bwMode="auto" r:id="rId8">
             <p14:nvContentPartPr>
               <p14:cNvPr id="63" name="Ink 62">
@@ -4125,7 +4133,7 @@
             </p14:xfrm>
           </p:contentPart>
         </mc:Choice>
-        <mc:Fallback>
+        <mc:Fallback xmlns="">
           <p:pic>
             <p:nvPicPr>
               <p:cNvPr id="63" name="Ink 62">
@@ -4156,8 +4164,8 @@
           </p:pic>
         </mc:Fallback>
       </mc:AlternateContent>
-      <mc:AlternateContent xmlns:mc="http://schemas.openxmlformats.org/markup-compatibility/2006">
-        <mc:Choice xmlns:p14="http://schemas.microsoft.com/office/powerpoint/2010/main" Requires="p14">
+      <mc:AlternateContent xmlns:mc="http://schemas.openxmlformats.org/markup-compatibility/2006" xmlns:p14="http://schemas.microsoft.com/office/powerpoint/2010/main">
+        <mc:Choice Requires="p14">
           <p:contentPart p14:bwMode="auto" r:id="rId10">
             <p14:nvContentPartPr>
               <p14:cNvPr id="64" name="Ink 63">
@@ -4176,7 +4184,7 @@
             </p14:xfrm>
           </p:contentPart>
         </mc:Choice>
-        <mc:Fallback>
+        <mc:Fallback xmlns="">
           <p:pic>
             <p:nvPicPr>
               <p:cNvPr id="64" name="Ink 63">
@@ -4207,8 +4215,8 @@
           </p:pic>
         </mc:Fallback>
       </mc:AlternateContent>
-      <mc:AlternateContent xmlns:mc="http://schemas.openxmlformats.org/markup-compatibility/2006">
-        <mc:Choice xmlns:p14="http://schemas.microsoft.com/office/powerpoint/2010/main" Requires="p14">
+      <mc:AlternateContent xmlns:mc="http://schemas.openxmlformats.org/markup-compatibility/2006" xmlns:p14="http://schemas.microsoft.com/office/powerpoint/2010/main">
+        <mc:Choice Requires="p14">
           <p:contentPart p14:bwMode="auto" r:id="rId12">
             <p14:nvContentPartPr>
               <p14:cNvPr id="66" name="Ink 65">
@@ -4227,7 +4235,7 @@
             </p14:xfrm>
           </p:contentPart>
         </mc:Choice>
-        <mc:Fallback>
+        <mc:Fallback xmlns="">
           <p:pic>
             <p:nvPicPr>
               <p:cNvPr id="66" name="Ink 65">
@@ -4258,8 +4266,8 @@
           </p:pic>
         </mc:Fallback>
       </mc:AlternateContent>
-      <mc:AlternateContent xmlns:mc="http://schemas.openxmlformats.org/markup-compatibility/2006">
-        <mc:Choice xmlns:p14="http://schemas.microsoft.com/office/powerpoint/2010/main" Requires="p14">
+      <mc:AlternateContent xmlns:mc="http://schemas.openxmlformats.org/markup-compatibility/2006" xmlns:p14="http://schemas.microsoft.com/office/powerpoint/2010/main">
+        <mc:Choice Requires="p14">
           <p:contentPart p14:bwMode="auto" r:id="rId14">
             <p14:nvContentPartPr>
               <p14:cNvPr id="67" name="Ink 66">
@@ -4278,7 +4286,7 @@
             </p14:xfrm>
           </p:contentPart>
         </mc:Choice>
-        <mc:Fallback>
+        <mc:Fallback xmlns="">
           <p:pic>
             <p:nvPicPr>
               <p:cNvPr id="67" name="Ink 66">
@@ -4309,8 +4317,8 @@
           </p:pic>
         </mc:Fallback>
       </mc:AlternateContent>
-      <mc:AlternateContent xmlns:mc="http://schemas.openxmlformats.org/markup-compatibility/2006">
-        <mc:Choice xmlns:p14="http://schemas.microsoft.com/office/powerpoint/2010/main" Requires="p14">
+      <mc:AlternateContent xmlns:mc="http://schemas.openxmlformats.org/markup-compatibility/2006" xmlns:p14="http://schemas.microsoft.com/office/powerpoint/2010/main">
+        <mc:Choice Requires="p14">
           <p:contentPart p14:bwMode="auto" r:id="rId16">
             <p14:nvContentPartPr>
               <p14:cNvPr id="69" name="Ink 68">
@@ -4329,7 +4337,7 @@
             </p14:xfrm>
           </p:contentPart>
         </mc:Choice>
-        <mc:Fallback>
+        <mc:Fallback xmlns="">
           <p:pic>
             <p:nvPicPr>
               <p:cNvPr id="69" name="Ink 68">
@@ -4360,8 +4368,8 @@
           </p:pic>
         </mc:Fallback>
       </mc:AlternateContent>
-      <mc:AlternateContent xmlns:mc="http://schemas.openxmlformats.org/markup-compatibility/2006">
-        <mc:Choice xmlns:p14="http://schemas.microsoft.com/office/powerpoint/2010/main" Requires="p14">
+      <mc:AlternateContent xmlns:mc="http://schemas.openxmlformats.org/markup-compatibility/2006" xmlns:p14="http://schemas.microsoft.com/office/powerpoint/2010/main">
+        <mc:Choice Requires="p14">
           <p:contentPart p14:bwMode="auto" r:id="rId18">
             <p14:nvContentPartPr>
               <p14:cNvPr id="70" name="Ink 69">
@@ -4380,7 +4388,7 @@
             </p14:xfrm>
           </p:contentPart>
         </mc:Choice>
-        <mc:Fallback>
+        <mc:Fallback xmlns="">
           <p:pic>
             <p:nvPicPr>
               <p:cNvPr id="70" name="Ink 69">
@@ -4411,8 +4419,8 @@
           </p:pic>
         </mc:Fallback>
       </mc:AlternateContent>
-      <mc:AlternateContent xmlns:mc="http://schemas.openxmlformats.org/markup-compatibility/2006">
-        <mc:Choice xmlns:p14="http://schemas.microsoft.com/office/powerpoint/2010/main" Requires="p14">
+      <mc:AlternateContent xmlns:mc="http://schemas.openxmlformats.org/markup-compatibility/2006" xmlns:p14="http://schemas.microsoft.com/office/powerpoint/2010/main">
+        <mc:Choice Requires="p14">
           <p:contentPart p14:bwMode="auto" r:id="rId20">
             <p14:nvContentPartPr>
               <p14:cNvPr id="82" name="Ink 81">
@@ -4431,7 +4439,7 @@
             </p14:xfrm>
           </p:contentPart>
         </mc:Choice>
-        <mc:Fallback>
+        <mc:Fallback xmlns="">
           <p:pic>
             <p:nvPicPr>
               <p:cNvPr id="82" name="Ink 81">
@@ -4462,8 +4470,8 @@
           </p:pic>
         </mc:Fallback>
       </mc:AlternateContent>
-      <mc:AlternateContent xmlns:mc="http://schemas.openxmlformats.org/markup-compatibility/2006">
-        <mc:Choice xmlns:p14="http://schemas.microsoft.com/office/powerpoint/2010/main" Requires="p14">
+      <mc:AlternateContent xmlns:mc="http://schemas.openxmlformats.org/markup-compatibility/2006" xmlns:p14="http://schemas.microsoft.com/office/powerpoint/2010/main">
+        <mc:Choice Requires="p14">
           <p:contentPart p14:bwMode="auto" r:id="rId22">
             <p14:nvContentPartPr>
               <p14:cNvPr id="83" name="Ink 82">
@@ -4482,7 +4490,7 @@
             </p14:xfrm>
           </p:contentPart>
         </mc:Choice>
-        <mc:Fallback>
+        <mc:Fallback xmlns="">
           <p:pic>
             <p:nvPicPr>
               <p:cNvPr id="83" name="Ink 82">
